--- a/Proyecto PHP_ “Escuela”.pptx
+++ b/Proyecto PHP_ “Escuela”.pptx
@@ -19,34 +19,33 @@
     <p:sldId id="264" r:id="rId14"/>
     <p:sldId id="265" r:id="rId15"/>
     <p:sldId id="266" r:id="rId16"/>
-    <p:sldId id="267" r:id="rId17"/>
   </p:sldIdLst>
   <p:sldSz cy="5143500" cx="9144000"/>
   <p:notesSz cx="6858000" cy="9144000"/>
   <p:embeddedFontLst>
     <p:embeddedFont>
       <p:font typeface="Lexend SemiBold"/>
-      <p:regular r:id="rId18"/>
-      <p:bold r:id="rId19"/>
+      <p:regular r:id="rId17"/>
+      <p:bold r:id="rId18"/>
     </p:embeddedFont>
     <p:embeddedFont>
       <p:font typeface="Montserrat"/>
-      <p:regular r:id="rId20"/>
-      <p:bold r:id="rId21"/>
-      <p:italic r:id="rId22"/>
-      <p:boldItalic r:id="rId23"/>
+      <p:regular r:id="rId19"/>
+      <p:bold r:id="rId20"/>
+      <p:italic r:id="rId21"/>
+      <p:boldItalic r:id="rId22"/>
     </p:embeddedFont>
     <p:embeddedFont>
       <p:font typeface="Lato"/>
-      <p:regular r:id="rId24"/>
-      <p:bold r:id="rId25"/>
-      <p:italic r:id="rId26"/>
-      <p:boldItalic r:id="rId27"/>
+      <p:regular r:id="rId23"/>
+      <p:bold r:id="rId24"/>
+      <p:italic r:id="rId25"/>
+      <p:boldItalic r:id="rId26"/>
     </p:embeddedFont>
     <p:embeddedFont>
       <p:font typeface="Lexend"/>
-      <p:regular r:id="rId28"/>
-      <p:bold r:id="rId29"/>
+      <p:regular r:id="rId27"/>
+      <p:bold r:id="rId28"/>
     </p:embeddedFont>
   </p:embeddedFontLst>
   <p:defaultTextStyle>
@@ -926,7 +925,7 @@
   <p:cSld>
     <p:spTree>
       <p:nvGrpSpPr>
-        <p:cNvPr id="189" name="Shape 189"/>
+        <p:cNvPr id="190" name="Shape 190"/>
         <p:cNvGrpSpPr/>
         <p:nvPr/>
       </p:nvGrpSpPr>
@@ -940,7 +939,7 @@
       </p:grpSpPr>
       <p:sp>
         <p:nvSpPr>
-          <p:cNvPr id="190" name="Google Shape;190;g24e4e62bd0b_0_23:notes"/>
+          <p:cNvPr id="191" name="Google Shape;191;g24e4e62bd0b_0_29:notes"/>
           <p:cNvSpPr/>
           <p:nvPr>
             <p:ph idx="2" type="sldImg"/>
@@ -975,106 +974,7 @@
       </p:sp>
       <p:sp>
         <p:nvSpPr>
-          <p:cNvPr id="191" name="Google Shape;191;g24e4e62bd0b_0_23:notes"/>
-          <p:cNvSpPr txBox="1"/>
-          <p:nvPr>
-            <p:ph idx="1" type="body"/>
-          </p:nvPr>
-        </p:nvSpPr>
-        <p:spPr>
-          <a:xfrm>
-            <a:off x="685800" y="4343400"/>
-            <a:ext cx="5486400" cy="4114800"/>
-          </a:xfrm>
-          <a:prstGeom prst="rect">
-            <a:avLst/>
-          </a:prstGeom>
-        </p:spPr>
-        <p:txBody>
-          <a:bodyPr anchorCtr="0" anchor="t" bIns="91425" lIns="91425" spcFirstLastPara="1" rIns="91425" wrap="square" tIns="91425">
-            <a:noAutofit/>
-          </a:bodyPr>
-          <a:lstStyle/>
-          <a:p>
-            <a:pPr indent="0" lvl="0" marL="0" rtl="0" algn="l">
-              <a:spcBef>
-                <a:spcPts val="0"/>
-              </a:spcBef>
-              <a:spcAft>
-                <a:spcPts val="0"/>
-              </a:spcAft>
-              <a:buNone/>
-            </a:pPr>
-            <a:r>
-              <a:t/>
-            </a:r>
-            <a:endParaRPr/>
-          </a:p>
-        </p:txBody>
-      </p:sp>
-    </p:spTree>
-  </p:cSld>
-  <p:clrMapOvr>
-    <a:masterClrMapping/>
-  </p:clrMapOvr>
-</p:notes>
-</file>
-
-<file path=ppt/notesSlides/notesSlide12.xml><?xml version="1.0" encoding="utf-8"?>
-<p:notes xmlns:a="http://schemas.openxmlformats.org/drawingml/2006/main" xmlns:r="http://schemas.openxmlformats.org/officeDocument/2006/relationships" xmlns:mc="http://schemas.openxmlformats.org/markup-compatibility/2006" xmlns:mv="urn:schemas-microsoft-com:mac:vml" xmlns:p="http://schemas.openxmlformats.org/presentationml/2006/main" xmlns:c="http://schemas.openxmlformats.org/drawingml/2006/chart" xmlns:dgm="http://schemas.openxmlformats.org/drawingml/2006/diagram" xmlns:o="urn:schemas-microsoft-com:office:office" xmlns:v="urn:schemas-microsoft-com:vml" xmlns:pvml="urn:schemas-microsoft-com:office:powerpoint" xmlns:com="http://schemas.openxmlformats.org/drawingml/2006/compatibility" xmlns:p14="http://schemas.microsoft.com/office/powerpoint/2010/main" xmlns:p15="http://schemas.microsoft.com/office/powerpoint/2012/main" xmlns:ahyp="http://schemas.microsoft.com/office/drawing/2018/hyperlinkcolor" showMasterPhAnim="0" showMasterSp="0">
-  <p:cSld>
-    <p:spTree>
-      <p:nvGrpSpPr>
-        <p:cNvPr id="194" name="Shape 194"/>
-        <p:cNvGrpSpPr/>
-        <p:nvPr/>
-      </p:nvGrpSpPr>
-      <p:grpSpPr>
-        <a:xfrm>
-          <a:off x="0" y="0"/>
-          <a:ext cx="0" cy="0"/>
-          <a:chOff x="0" y="0"/>
-          <a:chExt cx="0" cy="0"/>
-        </a:xfrm>
-      </p:grpSpPr>
-      <p:sp>
-        <p:nvSpPr>
-          <p:cNvPr id="195" name="Google Shape;195;g24e4e62bd0b_0_29:notes"/>
-          <p:cNvSpPr/>
-          <p:nvPr>
-            <p:ph idx="2" type="sldImg"/>
-          </p:nvPr>
-        </p:nvSpPr>
-        <p:spPr>
-          <a:xfrm>
-            <a:off x="381300" y="685800"/>
-            <a:ext cx="6096000" cy="3429000"/>
-          </a:xfrm>
-          <a:custGeom>
-            <a:rect b="b" l="l" r="r" t="t"/>
-            <a:pathLst>
-              <a:path extrusionOk="0" h="120000" w="120000">
-                <a:moveTo>
-                  <a:pt x="0" y="0"/>
-                </a:moveTo>
-                <a:lnTo>
-                  <a:pt x="120000" y="0"/>
-                </a:lnTo>
-                <a:lnTo>
-                  <a:pt x="120000" y="120000"/>
-                </a:lnTo>
-                <a:lnTo>
-                  <a:pt x="0" y="120000"/>
-                </a:lnTo>
-                <a:close/>
-              </a:path>
-            </a:pathLst>
-          </a:custGeom>
-        </p:spPr>
-      </p:sp>
-      <p:sp>
-        <p:nvSpPr>
-          <p:cNvPr id="196" name="Google Shape;196;g24e4e62bd0b_0_29:notes"/>
+          <p:cNvPr id="192" name="Google Shape;192;g24e4e62bd0b_0_29:notes"/>
           <p:cNvSpPr txBox="1"/>
           <p:nvPr>
             <p:ph idx="1" type="body"/>
@@ -10212,7 +10112,7 @@
                 <a:cs typeface="Lexend"/>
                 <a:sym typeface="Lexend"/>
               </a:rPr>
-              <a:t>Santiago Corradi, Lucas Luitta, Martin Calvo, Gianluca Vespe, Mauro Ayala, Alan Zelada, Alejandro Mansilla</a:t>
+              <a:t>Santiago Corradi, Lucas Luitta, Martin Calvo, Gianluca Vespe, Mauro Ayala, Alan Zelada, Alejandro Marsilla</a:t>
             </a:r>
             <a:endParaRPr b="1">
               <a:latin typeface="Lexend"/>
@@ -10336,34 +10236,9 @@
           </a:p>
         </p:txBody>
       </p:sp>
-    </p:spTree>
-  </p:cSld>
-  <p:clrMapOvr>
-    <a:masterClrMapping/>
-  </p:clrMapOvr>
-</p:sld>
-</file>
-
-<file path=ppt/slides/slide11.xml><?xml version="1.0" encoding="utf-8"?>
-<p:sld xmlns:a="http://schemas.openxmlformats.org/drawingml/2006/main" xmlns:r="http://schemas.openxmlformats.org/officeDocument/2006/relationships" xmlns:mc="http://schemas.openxmlformats.org/markup-compatibility/2006" xmlns:mv="urn:schemas-microsoft-com:mac:vml" xmlns:p="http://schemas.openxmlformats.org/presentationml/2006/main" xmlns:c="http://schemas.openxmlformats.org/drawingml/2006/chart" xmlns:dgm="http://schemas.openxmlformats.org/drawingml/2006/diagram" xmlns:o="urn:schemas-microsoft-com:office:office" xmlns:v="urn:schemas-microsoft-com:vml" xmlns:pvml="urn:schemas-microsoft-com:office:powerpoint" xmlns:com="http://schemas.openxmlformats.org/drawingml/2006/compatibility" xmlns:p14="http://schemas.microsoft.com/office/powerpoint/2010/main" xmlns:p15="http://schemas.microsoft.com/office/powerpoint/2012/main" xmlns:ahyp="http://schemas.microsoft.com/office/drawing/2018/hyperlinkcolor">
-  <p:cSld>
-    <p:spTree>
-      <p:nvGrpSpPr>
-        <p:cNvPr id="192" name="Shape 192"/>
-        <p:cNvGrpSpPr/>
-        <p:nvPr/>
-      </p:nvGrpSpPr>
-      <p:grpSpPr>
-        <a:xfrm>
-          <a:off x="0" y="0"/>
-          <a:ext cx="0" cy="0"/>
-          <a:chOff x="0" y="0"/>
-          <a:chExt cx="0" cy="0"/>
-        </a:xfrm>
-      </p:grpSpPr>
       <p:pic>
         <p:nvPicPr>
-          <p:cNvPr id="193" name="Google Shape;193;p23"/>
+          <p:cNvPr id="189" name="Google Shape;189;p22"/>
           <p:cNvPicPr preferRelativeResize="0"/>
           <p:nvPr/>
         </p:nvPicPr>
@@ -10377,8 +10252,8 @@
         </p:blipFill>
         <p:spPr>
           <a:xfrm>
-            <a:off x="152400" y="183700"/>
-            <a:ext cx="8839202" cy="4776100"/>
+            <a:off x="4190976" y="2365700"/>
+            <a:ext cx="4697476" cy="2538200"/>
           </a:xfrm>
           <a:prstGeom prst="rect">
             <a:avLst/>
@@ -10397,12 +10272,12 @@
 </p:sld>
 </file>
 
-<file path=ppt/slides/slide12.xml><?xml version="1.0" encoding="utf-8"?>
+<file path=ppt/slides/slide11.xml><?xml version="1.0" encoding="utf-8"?>
 <p:sld xmlns:a="http://schemas.openxmlformats.org/drawingml/2006/main" xmlns:r="http://schemas.openxmlformats.org/officeDocument/2006/relationships" xmlns:mc="http://schemas.openxmlformats.org/markup-compatibility/2006" xmlns:mv="urn:schemas-microsoft-com:mac:vml" xmlns:p="http://schemas.openxmlformats.org/presentationml/2006/main" xmlns:c="http://schemas.openxmlformats.org/drawingml/2006/chart" xmlns:dgm="http://schemas.openxmlformats.org/drawingml/2006/diagram" xmlns:o="urn:schemas-microsoft-com:office:office" xmlns:v="urn:schemas-microsoft-com:vml" xmlns:pvml="urn:schemas-microsoft-com:office:powerpoint" xmlns:com="http://schemas.openxmlformats.org/drawingml/2006/compatibility" xmlns:p14="http://schemas.microsoft.com/office/powerpoint/2010/main" xmlns:p15="http://schemas.microsoft.com/office/powerpoint/2012/main" xmlns:ahyp="http://schemas.microsoft.com/office/drawing/2018/hyperlinkcolor">
   <p:cSld>
     <p:spTree>
       <p:nvGrpSpPr>
-        <p:cNvPr id="197" name="Shape 197"/>
+        <p:cNvPr id="193" name="Shape 193"/>
         <p:cNvGrpSpPr/>
         <p:nvPr/>
       </p:nvGrpSpPr>
@@ -10416,7 +10291,7 @@
       </p:grpSpPr>
       <p:pic>
         <p:nvPicPr>
-          <p:cNvPr id="198" name="Google Shape;198;p24"/>
+          <p:cNvPr id="194" name="Google Shape;194;p23"/>
           <p:cNvPicPr preferRelativeResize="0"/>
           <p:nvPr/>
         </p:nvPicPr>
